--- a/Monte_Carlo_Simulation_597.pptx
+++ b/Monte_Carlo_Simulation_597.pptx
@@ -7240,7 +7240,7 @@
           <a:p>
             <a:fld id="{7487ADD9-2083-264C-A652-8D52D02F7E72}" type="datetimeFigureOut">
               <a:rPr lang="en-US" smtClean="0"/>
-              <a:t>5/2/2023</a:t>
+              <a:t>5/3/2023</a:t>
             </a:fld>
             <a:endParaRPr lang="en-US" dirty="0"/>
           </a:p>
@@ -8897,7 +8897,7 @@
             <a:fld id="{5F02DCD1-2C6B-F948-9F72-3BB0CF3D512E}" type="datetime1">
               <a:rPr lang="en-US" smtClean="0"/>
               <a:pPr/>
-              <a:t>5/2/2023</a:t>
+              <a:t>5/3/2023</a:t>
             </a:fld>
             <a:endParaRPr lang="en-US" dirty="0"/>
           </a:p>
@@ -9782,7 +9782,7 @@
             <a:fld id="{C1583C39-01BF-7F43-854C-FBB4E9AB6B0C}" type="datetime1">
               <a:rPr lang="en-US" smtClean="0"/>
               <a:pPr/>
-              <a:t>5/2/2023</a:t>
+              <a:t>5/3/2023</a:t>
             </a:fld>
             <a:endParaRPr lang="en-US" dirty="0"/>
           </a:p>
@@ -10959,7 +10959,7 @@
             <a:fld id="{4B103E64-1627-9140-8127-1849FED275E1}" type="datetime1">
               <a:rPr lang="en-US" smtClean="0"/>
               <a:pPr/>
-              <a:t>5/2/2023</a:t>
+              <a:t>5/3/2023</a:t>
             </a:fld>
             <a:endParaRPr lang="en-US" dirty="0"/>
           </a:p>
@@ -13039,7 +13039,7 @@
             <a:fld id="{DD9C8446-696E-6942-B6C8-CC9CAD0B34E0}" type="datetime1">
               <a:rPr lang="en-US" smtClean="0"/>
               <a:pPr/>
-              <a:t>5/2/2023</a:t>
+              <a:t>5/3/2023</a:t>
             </a:fld>
             <a:endParaRPr lang="en-US" dirty="0"/>
           </a:p>
@@ -13757,7 +13757,7 @@
             <a:fld id="{F5592931-05C6-8543-8B6E-A8BD29BD5C2B}" type="datetime1">
               <a:rPr lang="en-US" smtClean="0"/>
               <a:pPr/>
-              <a:t>5/2/2023</a:t>
+              <a:t>5/3/2023</a:t>
             </a:fld>
             <a:endParaRPr lang="en-US" dirty="0"/>
           </a:p>
@@ -14985,7 +14985,7 @@
             <a:fld id="{7E7AB22C-8B7E-9B4A-8C65-396C3C874D86}" type="datetime1">
               <a:rPr lang="en-US" smtClean="0"/>
               <a:pPr/>
-              <a:t>5/2/2023</a:t>
+              <a:t>5/3/2023</a:t>
             </a:fld>
             <a:endParaRPr lang="en-US" dirty="0"/>
           </a:p>
@@ -15577,7 +15577,7 @@
             <a:fld id="{8CE9AC2A-20AD-8C48-B5EB-B5322BDBCDEE}" type="datetime1">
               <a:rPr lang="en-US" smtClean="0"/>
               <a:pPr/>
-              <a:t>5/2/2023</a:t>
+              <a:t>5/3/2023</a:t>
             </a:fld>
             <a:endParaRPr lang="en-US" dirty="0"/>
           </a:p>
@@ -16050,7 +16050,7 @@
             <a:fld id="{4CF75428-5BE0-934D-BB71-675F8E23A386}" type="datetime1">
               <a:rPr lang="en-US" smtClean="0"/>
               <a:pPr/>
-              <a:t>5/2/2023</a:t>
+              <a:t>5/3/2023</a:t>
             </a:fld>
             <a:endParaRPr lang="en-US" dirty="0"/>
           </a:p>
@@ -16900,7 +16900,7 @@
             <a:fld id="{9A85C5CA-AE29-AB4C-8F85-0373C72001D8}" type="datetime1">
               <a:rPr lang="en-US" smtClean="0"/>
               <a:pPr/>
-              <a:t>5/2/2023</a:t>
+              <a:t>5/3/2023</a:t>
             </a:fld>
             <a:endParaRPr lang="en-US" dirty="0"/>
           </a:p>
@@ -19125,7 +19125,7 @@
             <a:fld id="{75594855-01E8-5A4B-B2B8-E2ECEF879100}" type="datetime1">
               <a:rPr lang="en-US" smtClean="0"/>
               <a:pPr/>
-              <a:t>5/2/2023</a:t>
+              <a:t>5/3/2023</a:t>
             </a:fld>
             <a:endParaRPr lang="en-US" dirty="0"/>
           </a:p>
@@ -19394,7 +19394,7 @@
             <a:fld id="{B562DF68-3089-814D-8A14-C651FE91885E}" type="datetime1">
               <a:rPr lang="en-US" smtClean="0"/>
               <a:pPr/>
-              <a:t>5/2/2023</a:t>
+              <a:t>5/3/2023</a:t>
             </a:fld>
             <a:endParaRPr lang="en-US" dirty="0"/>
           </a:p>
@@ -20108,7 +20108,7 @@
             <a:fld id="{495D8227-9DE4-4D42-8C1B-E10C828BC634}" type="datetime1">
               <a:rPr lang="en-US" smtClean="0"/>
               <a:pPr/>
-              <a:t>5/2/2023</a:t>
+              <a:t>5/3/2023</a:t>
             </a:fld>
             <a:endParaRPr lang="en-US" dirty="0"/>
           </a:p>
@@ -20377,7 +20377,7 @@
             <a:fld id="{495D8227-9DE4-4D42-8C1B-E10C828BC634}" type="datetime1">
               <a:rPr lang="en-US" smtClean="0"/>
               <a:pPr/>
-              <a:t>5/2/2023</a:t>
+              <a:t>5/3/2023</a:t>
             </a:fld>
             <a:endParaRPr lang="en-US" dirty="0"/>
           </a:p>
@@ -22561,7 +22561,7 @@
           <a:p>
             <a:fld id="{C098A06B-52D8-C143-AE54-C8C950480C5A}" type="datetime1">
               <a:rPr lang="en-US" smtClean="0"/>
-              <a:t>5/2/2023</a:t>
+              <a:t>5/3/2023</a:t>
             </a:fld>
             <a:endParaRPr lang="en-US" dirty="0"/>
           </a:p>
@@ -23054,7 +23054,7 @@
             <a:fld id="{495D8227-9DE4-4D42-8C1B-E10C828BC634}" type="datetime1">
               <a:rPr lang="en-US" smtClean="0"/>
               <a:pPr/>
-              <a:t>5/2/2023</a:t>
+              <a:t>5/3/2023</a:t>
             </a:fld>
             <a:endParaRPr lang="en-US" dirty="0"/>
           </a:p>
@@ -23209,7 +23209,7 @@
           <a:p>
             <a:fld id="{C098A06B-52D8-C143-AE54-C8C950480C5A}" type="datetime1">
               <a:rPr lang="en-US" smtClean="0"/>
-              <a:t>5/2/2023</a:t>
+              <a:t>5/3/2023</a:t>
             </a:fld>
             <a:endParaRPr lang="en-US" dirty="0"/>
           </a:p>
@@ -23600,7 +23600,7 @@
           <a:p>
             <a:fld id="{C098A06B-52D8-C143-AE54-C8C950480C5A}" type="datetime1">
               <a:rPr lang="en-US" smtClean="0"/>
-              <a:t>5/2/2023</a:t>
+              <a:t>5/3/2023</a:t>
             </a:fld>
             <a:endParaRPr lang="en-US" dirty="0"/>
           </a:p>
@@ -24422,7 +24422,7 @@
             <a:fld id="{A42FF1E2-60E5-C540-AA54-7072D5406B0B}" type="datetime1">
               <a:rPr lang="en-US" smtClean="0"/>
               <a:pPr/>
-              <a:t>5/2/2023</a:t>
+              <a:t>5/3/2023</a:t>
             </a:fld>
             <a:endParaRPr lang="en-US" dirty="0"/>
           </a:p>
@@ -24588,7 +24588,7 @@
             <a:fld id="{A42FF1E2-60E5-C540-AA54-7072D5406B0B}" type="datetime1">
               <a:rPr lang="en-US" smtClean="0"/>
               <a:pPr/>
-              <a:t>5/2/2023</a:t>
+              <a:t>5/3/2023</a:t>
             </a:fld>
             <a:endParaRPr lang="en-US" dirty="0"/>
           </a:p>
@@ -25729,7 +25729,7 @@
             <a:fld id="{E1707CF3-9BC4-A745-ACDA-A73543D800FE}" type="datetime1">
               <a:rPr lang="en-US" smtClean="0"/>
               <a:pPr/>
-              <a:t>5/2/2023</a:t>
+              <a:t>5/3/2023</a:t>
             </a:fld>
             <a:endParaRPr lang="en-US" dirty="0"/>
           </a:p>
@@ -26038,8 +26038,38 @@
         </p:blipFill>
         <p:spPr>
           <a:xfrm>
-            <a:off x="5537926" y="1498242"/>
-            <a:ext cx="5852172" cy="4389129"/>
+            <a:off x="5537926" y="1306962"/>
+            <a:ext cx="3493779" cy="2620334"/>
+          </a:xfrm>
+          <a:prstGeom prst="rect">
+            <a:avLst/>
+          </a:prstGeom>
+        </p:spPr>
+      </p:pic>
+      <p:pic>
+        <p:nvPicPr>
+          <p:cNvPr id="6" name="Picture 5" descr="Chart, pie chart&#10;&#10;Description automatically generated">
+            <a:extLst>
+              <a:ext uri="{FF2B5EF4-FFF2-40B4-BE49-F238E27FC236}">
+                <a16:creationId xmlns:a16="http://schemas.microsoft.com/office/drawing/2014/main" id="{09FA9798-5C53-3199-FBFA-4B90B50C1A6C}"/>
+              </a:ext>
+            </a:extLst>
+          </p:cNvPr>
+          <p:cNvPicPr>
+            <a:picLocks noChangeAspect="1"/>
+          </p:cNvPicPr>
+          <p:nvPr/>
+        </p:nvPicPr>
+        <p:blipFill>
+          <a:blip r:embed="rId3"/>
+          <a:stretch>
+            <a:fillRect/>
+          </a:stretch>
+        </p:blipFill>
+        <p:spPr>
+          <a:xfrm>
+            <a:off x="7967741" y="3744734"/>
+            <a:ext cx="3725572" cy="2794179"/>
           </a:xfrm>
           <a:prstGeom prst="rect">
             <a:avLst/>
@@ -26213,8 +26243,8 @@
         </p:blipFill>
         <p:spPr>
           <a:xfrm>
-            <a:off x="5537926" y="1706563"/>
-            <a:ext cx="5745634" cy="4309226"/>
+            <a:off x="5505842" y="1048837"/>
+            <a:ext cx="3541906" cy="2656430"/>
           </a:xfrm>
           <a:prstGeom prst="rect">
             <a:avLst/>
@@ -26289,6 +26319,36 @@
           </a:p>
         </p:txBody>
       </p:sp>
+      <p:pic>
+        <p:nvPicPr>
+          <p:cNvPr id="8" name="Picture 7" descr="Chart, pie chart&#10;&#10;Description automatically generated">
+            <a:extLst>
+              <a:ext uri="{FF2B5EF4-FFF2-40B4-BE49-F238E27FC236}">
+                <a16:creationId xmlns:a16="http://schemas.microsoft.com/office/drawing/2014/main" id="{9FDD9211-4F44-92DF-8D98-AFE284E23B52}"/>
+              </a:ext>
+            </a:extLst>
+          </p:cNvPr>
+          <p:cNvPicPr>
+            <a:picLocks noChangeAspect="1"/>
+          </p:cNvPicPr>
+          <p:nvPr/>
+        </p:nvPicPr>
+        <p:blipFill>
+          <a:blip r:embed="rId3"/>
+          <a:stretch>
+            <a:fillRect/>
+          </a:stretch>
+        </p:blipFill>
+        <p:spPr>
+          <a:xfrm>
+            <a:off x="8153400" y="3545306"/>
+            <a:ext cx="3255792" cy="2441844"/>
+          </a:xfrm>
+          <a:prstGeom prst="rect">
+            <a:avLst/>
+          </a:prstGeom>
+        </p:spPr>
+      </p:pic>
     </p:spTree>
     <p:extLst>
       <p:ext uri="{BB962C8B-B14F-4D97-AF65-F5344CB8AC3E}">
@@ -26370,7 +26430,7 @@
           <a:p>
             <a:fld id="{7699C8CE-7534-A244-ABE9-5BED2DFEFBDF}" type="datetime1">
               <a:rPr lang="en-US" smtClean="0"/>
-              <a:t>5/2/2023</a:t>
+              <a:t>5/3/2023</a:t>
             </a:fld>
             <a:endParaRPr lang="en-US" dirty="0"/>
           </a:p>
@@ -27025,7 +27085,7 @@
             <a:fld id="{495D8227-9DE4-4D42-8C1B-E10C828BC634}" type="datetime1">
               <a:rPr lang="en-US" smtClean="0"/>
               <a:pPr/>
-              <a:t>5/2/2023</a:t>
+              <a:t>5/3/2023</a:t>
             </a:fld>
             <a:endParaRPr lang="en-US" dirty="0"/>
           </a:p>
@@ -27315,7 +27375,7 @@
             <a:fld id="{495D8227-9DE4-4D42-8C1B-E10C828BC634}" type="datetime1">
               <a:rPr lang="en-US" smtClean="0"/>
               <a:pPr/>
-              <a:t>5/2/2023</a:t>
+              <a:t>5/3/2023</a:t>
             </a:fld>
             <a:endParaRPr lang="en-US" dirty="0"/>
           </a:p>
@@ -27611,7 +27671,7 @@
             <a:fld id="{495D8227-9DE4-4D42-8C1B-E10C828BC634}" type="datetime1">
               <a:rPr lang="en-US" smtClean="0"/>
               <a:pPr/>
-              <a:t>5/2/2023</a:t>
+              <a:t>5/3/2023</a:t>
             </a:fld>
             <a:endParaRPr lang="en-US" dirty="0"/>
           </a:p>
@@ -27913,7 +27973,7 @@
           <a:p>
             <a:fld id="{79C497D8-AFA6-424B-9876-402B886244CF}" type="datetime1">
               <a:rPr lang="en-US" smtClean="0"/>
-              <a:t>5/2/2023</a:t>
+              <a:t>5/3/2023</a:t>
             </a:fld>
             <a:endParaRPr lang="en-US" dirty="0"/>
           </a:p>
@@ -28134,7 +28194,7 @@
             <a:fld id="{495D8227-9DE4-4D42-8C1B-E10C828BC634}" type="datetime1">
               <a:rPr lang="en-US" smtClean="0"/>
               <a:pPr/>
-              <a:t>5/2/2023</a:t>
+              <a:t>5/3/2023</a:t>
             </a:fld>
             <a:endParaRPr lang="en-US" dirty="0"/>
           </a:p>
@@ -28404,7 +28464,7 @@
             <a:fld id="{495D8227-9DE4-4D42-8C1B-E10C828BC634}" type="datetime1">
               <a:rPr lang="en-US" smtClean="0"/>
               <a:pPr/>
-              <a:t>5/2/2023</a:t>
+              <a:t>5/3/2023</a:t>
             </a:fld>
             <a:endParaRPr lang="en-US" dirty="0"/>
           </a:p>
@@ -29017,6 +29077,15 @@
 </file>
 
 <file path=customXml/item1.xml><?xml version="1.0" encoding="utf-8"?>
+<?mso-contentType ?>
+<FormTemplates xmlns="http://schemas.microsoft.com/sharepoint/v3/contenttype/forms">
+  <Display>DocumentLibraryForm</Display>
+  <Edit>DocumentLibraryForm</Edit>
+  <New>DocumentLibraryForm</New>
+</FormTemplates>
+</file>
+
+<file path=customXml/item2.xml><?xml version="1.0" encoding="utf-8"?>
 <ct:contentTypeSchema xmlns:ct="http://schemas.microsoft.com/office/2006/metadata/contentType" xmlns:ma="http://schemas.microsoft.com/office/2006/metadata/properties/metaAttributes" ct:_="" ma:_="" ma:contentTypeName="Document" ma:contentTypeID="0x01010079F111ED35F8CC479449609E8A0923A6" ma:contentTypeVersion="21" ma:contentTypeDescription="Create a new document." ma:contentTypeScope="" ma:versionID="64dfb1555687e0874b4304b796b5b0c7">
   <xsd:schema xmlns:xsd="http://www.w3.org/2001/XMLSchema" xmlns:xs="http://www.w3.org/2001/XMLSchema" xmlns:p="http://schemas.microsoft.com/office/2006/metadata/properties" xmlns:ns1="http://schemas.microsoft.com/sharepoint/v3" xmlns:ns2="71af3243-3dd4-4a8d-8c0d-dd76da1f02a5" xmlns:ns3="16c05727-aa75-4e4a-9b5f-8a80a1165891" xmlns:ns4="230e9df3-be65-4c73-a93b-d1236ebd677e" targetNamespace="http://schemas.microsoft.com/office/2006/metadata/properties" ma:root="true" ma:fieldsID="e6e4c555b5e194d05b7203de9c4567b3" ns1:_="" ns2:_="" ns3:_="" ns4:_="">
     <xsd:import namespace="http://schemas.microsoft.com/sharepoint/v3"/>
@@ -29298,15 +29367,6 @@
 </ct:contentTypeSchema>
 </file>
 
-<file path=customXml/item2.xml><?xml version="1.0" encoding="utf-8"?>
-<?mso-contentType ?>
-<FormTemplates xmlns="http://schemas.microsoft.com/sharepoint/v3/contenttype/forms">
-  <Display>DocumentLibraryForm</Display>
-  <Edit>DocumentLibraryForm</Edit>
-  <New>DocumentLibraryForm</New>
-</FormTemplates>
-</file>
-
 <file path=customXml/item3.xml><?xml version="1.0" encoding="utf-8"?>
 <p:properties xmlns:p="http://schemas.microsoft.com/office/2006/metadata/properties" xmlns:xsi="http://www.w3.org/2001/XMLSchema-instance" xmlns:pc="http://schemas.microsoft.com/office/infopath/2007/PartnerControls">
   <documentManagement>
@@ -29327,6 +29387,14 @@
 </file>
 
 <file path=customXml/itemProps1.xml><?xml version="1.0" encoding="utf-8"?>
+<ds:datastoreItem xmlns:ds="http://schemas.openxmlformats.org/officeDocument/2006/customXml" ds:itemID="{85334180-0405-413B-834A-44FA9E05ADB7}">
+  <ds:schemaRefs>
+    <ds:schemaRef ds:uri="http://schemas.microsoft.com/sharepoint/v3/contenttype/forms"/>
+  </ds:schemaRefs>
+</ds:datastoreItem>
+</file>
+
+<file path=customXml/itemProps2.xml><?xml version="1.0" encoding="utf-8"?>
 <ds:datastoreItem xmlns:ds="http://schemas.openxmlformats.org/officeDocument/2006/customXml" ds:itemID="{4A615295-94F6-4CE2-A1B1-6B7E1DAA5AD6}">
   <ds:schemaRefs>
     <ds:schemaRef ds:uri="http://schemas.microsoft.com/office/2006/metadata/contentType"/>
@@ -29343,14 +29411,6 @@
     <ds:schemaRef ds:uri="http://purl.org/dc/elements/1.1/"/>
     <ds:schemaRef ds:uri="http://purl.org/dc/terms/"/>
     <ds:schemaRef ds:uri="http://schemas.microsoft.com/internal/obd"/>
-  </ds:schemaRefs>
-</ds:datastoreItem>
-</file>
-
-<file path=customXml/itemProps2.xml><?xml version="1.0" encoding="utf-8"?>
-<ds:datastoreItem xmlns:ds="http://schemas.openxmlformats.org/officeDocument/2006/customXml" ds:itemID="{85334180-0405-413B-834A-44FA9E05ADB7}">
-  <ds:schemaRefs>
-    <ds:schemaRef ds:uri="http://schemas.microsoft.com/sharepoint/v3/contenttype/forms"/>
   </ds:schemaRefs>
 </ds:datastoreItem>
 </file>

--- a/Monte_Carlo_Simulation_597.pptx
+++ b/Monte_Carlo_Simulation_597.pptx
@@ -25650,9 +25650,44 @@
         </p:spPr>
         <p:txBody>
           <a:bodyPr vert="horz" lIns="91440" tIns="45720" rIns="91440" bIns="45720" rtlCol="0" anchor="t">
-            <a:normAutofit fontScale="85000" lnSpcReduction="10000"/>
+            <a:normAutofit fontScale="85000" lnSpcReduction="20000"/>
           </a:bodyPr>
           <a:lstStyle/>
+          <a:p>
+            <a:r>
+              <a:rPr lang="en-US" b="0" i="0" dirty="0">
+                <a:solidFill>
+                  <a:schemeClr val="bg1">
+                    <a:lumMod val="95000"/>
+                  </a:schemeClr>
+                </a:solidFill>
+                <a:effectLst/>
+                <a:latin typeface="-apple-system"/>
+              </a:rPr>
+              <a:t>16 tiles, 5 resources, 2 dice, </a:t>
+            </a:r>
+            <a:r>
+              <a:rPr lang="en-US" b="0" i="0">
+                <a:solidFill>
+                  <a:schemeClr val="bg1">
+                    <a:lumMod val="95000"/>
+                  </a:schemeClr>
+                </a:solidFill>
+                <a:effectLst/>
+                <a:latin typeface="-apple-system"/>
+              </a:rPr>
+              <a:t>several Players</a:t>
+            </a:r>
+            <a:endParaRPr lang="en-US" b="0" i="0" dirty="0">
+              <a:solidFill>
+                <a:schemeClr val="bg1">
+                  <a:lumMod val="95000"/>
+                </a:schemeClr>
+              </a:solidFill>
+              <a:effectLst/>
+              <a:latin typeface="-apple-system"/>
+            </a:endParaRPr>
+          </a:p>
           <a:p>
             <a:r>
               <a:rPr lang="en-US" b="0" i="0" dirty="0">
@@ -29077,15 +29112,6 @@
 </file>
 
 <file path=customXml/item1.xml><?xml version="1.0" encoding="utf-8"?>
-<?mso-contentType ?>
-<FormTemplates xmlns="http://schemas.microsoft.com/sharepoint/v3/contenttype/forms">
-  <Display>DocumentLibraryForm</Display>
-  <Edit>DocumentLibraryForm</Edit>
-  <New>DocumentLibraryForm</New>
-</FormTemplates>
-</file>
-
-<file path=customXml/item2.xml><?xml version="1.0" encoding="utf-8"?>
 <ct:contentTypeSchema xmlns:ct="http://schemas.microsoft.com/office/2006/metadata/contentType" xmlns:ma="http://schemas.microsoft.com/office/2006/metadata/properties/metaAttributes" ct:_="" ma:_="" ma:contentTypeName="Document" ma:contentTypeID="0x01010079F111ED35F8CC479449609E8A0923A6" ma:contentTypeVersion="21" ma:contentTypeDescription="Create a new document." ma:contentTypeScope="" ma:versionID="64dfb1555687e0874b4304b796b5b0c7">
   <xsd:schema xmlns:xsd="http://www.w3.org/2001/XMLSchema" xmlns:xs="http://www.w3.org/2001/XMLSchema" xmlns:p="http://schemas.microsoft.com/office/2006/metadata/properties" xmlns:ns1="http://schemas.microsoft.com/sharepoint/v3" xmlns:ns2="71af3243-3dd4-4a8d-8c0d-dd76da1f02a5" xmlns:ns3="16c05727-aa75-4e4a-9b5f-8a80a1165891" xmlns:ns4="230e9df3-be65-4c73-a93b-d1236ebd677e" targetNamespace="http://schemas.microsoft.com/office/2006/metadata/properties" ma:root="true" ma:fieldsID="e6e4c555b5e194d05b7203de9c4567b3" ns1:_="" ns2:_="" ns3:_="" ns4:_="">
     <xsd:import namespace="http://schemas.microsoft.com/sharepoint/v3"/>
@@ -29367,6 +29393,15 @@
 </ct:contentTypeSchema>
 </file>
 
+<file path=customXml/item2.xml><?xml version="1.0" encoding="utf-8"?>
+<?mso-contentType ?>
+<FormTemplates xmlns="http://schemas.microsoft.com/sharepoint/v3/contenttype/forms">
+  <Display>DocumentLibraryForm</Display>
+  <Edit>DocumentLibraryForm</Edit>
+  <New>DocumentLibraryForm</New>
+</FormTemplates>
+</file>
+
 <file path=customXml/item3.xml><?xml version="1.0" encoding="utf-8"?>
 <p:properties xmlns:p="http://schemas.microsoft.com/office/2006/metadata/properties" xmlns:xsi="http://www.w3.org/2001/XMLSchema-instance" xmlns:pc="http://schemas.microsoft.com/office/infopath/2007/PartnerControls">
   <documentManagement>
@@ -29387,14 +29422,6 @@
 </file>
 
 <file path=customXml/itemProps1.xml><?xml version="1.0" encoding="utf-8"?>
-<ds:datastoreItem xmlns:ds="http://schemas.openxmlformats.org/officeDocument/2006/customXml" ds:itemID="{85334180-0405-413B-834A-44FA9E05ADB7}">
-  <ds:schemaRefs>
-    <ds:schemaRef ds:uri="http://schemas.microsoft.com/sharepoint/v3/contenttype/forms"/>
-  </ds:schemaRefs>
-</ds:datastoreItem>
-</file>
-
-<file path=customXml/itemProps2.xml><?xml version="1.0" encoding="utf-8"?>
 <ds:datastoreItem xmlns:ds="http://schemas.openxmlformats.org/officeDocument/2006/customXml" ds:itemID="{4A615295-94F6-4CE2-A1B1-6B7E1DAA5AD6}">
   <ds:schemaRefs>
     <ds:schemaRef ds:uri="http://schemas.microsoft.com/office/2006/metadata/contentType"/>
@@ -29411,6 +29438,14 @@
     <ds:schemaRef ds:uri="http://purl.org/dc/elements/1.1/"/>
     <ds:schemaRef ds:uri="http://purl.org/dc/terms/"/>
     <ds:schemaRef ds:uri="http://schemas.microsoft.com/internal/obd"/>
+  </ds:schemaRefs>
+</ds:datastoreItem>
+</file>
+
+<file path=customXml/itemProps2.xml><?xml version="1.0" encoding="utf-8"?>
+<ds:datastoreItem xmlns:ds="http://schemas.openxmlformats.org/officeDocument/2006/customXml" ds:itemID="{85334180-0405-413B-834A-44FA9E05ADB7}">
+  <ds:schemaRefs>
+    <ds:schemaRef ds:uri="http://schemas.microsoft.com/sharepoint/v3/contenttype/forms"/>
   </ds:schemaRefs>
 </ds:datastoreItem>
 </file>

--- a/Monte_Carlo_Simulation_597.pptx
+++ b/Monte_Carlo_Simulation_597.pptx
@@ -24245,7 +24245,13 @@
           <a:p>
             <a:r>
               <a:rPr lang="en-US" dirty="0"/>
-              <a:t>Every simulation act on a new board. Players would play on same boards for each simulation. </a:t>
+              <a:t>Every simulation act on a new board. </a:t>
+            </a:r>
+          </a:p>
+          <a:p>
+            <a:r>
+              <a:rPr lang="en-US" dirty="0"/>
+              <a:t>Players would play on boards with same resources distribution but different boards for each simulation. </a:t>
             </a:r>
           </a:p>
           <a:p>
@@ -25664,10 +25670,21 @@
                 <a:effectLst/>
                 <a:latin typeface="-apple-system"/>
               </a:rPr>
-              <a:t>16 tiles, 5 resources, 2 dice, </a:t>
-            </a:r>
-            <a:r>
-              <a:rPr lang="en-US" b="0" i="0">
+              <a:t>16 tiles(terrains), 5 resources, 2 dice, </a:t>
+            </a:r>
+            <a:r>
+              <a:rPr lang="en-US" dirty="0">
+                <a:solidFill>
+                  <a:schemeClr val="bg1">
+                    <a:lumMod val="95000"/>
+                  </a:schemeClr>
+                </a:solidFill>
+                <a:latin typeface="-apple-system"/>
+              </a:rPr>
+              <a:t>2-4</a:t>
+            </a:r>
+            <a:r>
+              <a:rPr lang="en-US" b="0" i="0" dirty="0">
                 <a:solidFill>
                   <a:schemeClr val="bg1">
                     <a:lumMod val="95000"/>
@@ -25676,17 +25693,8 @@
                 <a:effectLst/>
                 <a:latin typeface="-apple-system"/>
               </a:rPr>
-              <a:t>several Players</a:t>
-            </a:r>
-            <a:endParaRPr lang="en-US" b="0" i="0" dirty="0">
-              <a:solidFill>
-                <a:schemeClr val="bg1">
-                  <a:lumMod val="95000"/>
-                </a:schemeClr>
-              </a:solidFill>
-              <a:effectLst/>
-              <a:latin typeface="-apple-system"/>
-            </a:endParaRPr>
+              <a:t> Players</a:t>
+            </a:r>
           </a:p>
           <a:p>
             <a:r>
@@ -26564,6 +26572,18 @@
               <a:t>For player, adopting a city upgrading prefer strategy would get required victory points faster than other strategy.</a:t>
             </a:r>
           </a:p>
+          <a:p>
+            <a:endParaRPr lang="en-US" dirty="0"/>
+          </a:p>
+          <a:p>
+            <a:endParaRPr lang="en-US" dirty="0"/>
+          </a:p>
+          <a:p>
+            <a:r>
+              <a:rPr lang="en-US" dirty="0"/>
+              <a:t>https://github.com/S1monXuan/2023Spr_projects_catan_simulation</a:t>
+            </a:r>
+          </a:p>
         </p:txBody>
       </p:sp>
     </p:spTree>
@@ -27087,6 +27107,16 @@
             <a:r>
               <a:rPr lang="en-US" dirty="0"/>
               <a:t>Harbor</a:t>
+            </a:r>
+          </a:p>
+          <a:p>
+            <a:pPr marL="457200" indent="-457200">
+              <a:buFont typeface="Arial" panose="020B0604020202020204" pitchFamily="34" charset="0"/>
+              <a:buChar char="•"/>
+            </a:pPr>
+            <a:r>
+              <a:rPr lang="en-US" dirty="0"/>
+              <a:t>Points</a:t>
             </a:r>
           </a:p>
         </p:txBody>
@@ -27640,6 +27670,10 @@
             </a:r>
           </a:p>
           <a:p>
+            <a:pPr marL="457200" indent="-457200">
+              <a:buFont typeface="Arial" panose="020B0604020202020204" pitchFamily="34" charset="0"/>
+              <a:buChar char="•"/>
+            </a:pPr>
             <a:r>
               <a:rPr lang="en-US" dirty="0"/>
               <a:t>Settlement: 5 in total</a:t>
@@ -27652,6 +27686,10 @@
             </a:r>
           </a:p>
           <a:p>
+            <a:pPr marL="457200" indent="-457200">
+              <a:buFont typeface="Arial" panose="020B0604020202020204" pitchFamily="34" charset="0"/>
+              <a:buChar char="•"/>
+            </a:pPr>
             <a:r>
               <a:rPr lang="en-US" dirty="0"/>
               <a:t>City: Must upgrade from settlement, 4 in total</a:t>
@@ -27664,6 +27702,10 @@
             </a:r>
           </a:p>
           <a:p>
+            <a:pPr marL="457200" indent="-457200">
+              <a:buFont typeface="Arial" panose="020B0604020202020204" pitchFamily="34" charset="0"/>
+              <a:buChar char="•"/>
+            </a:pPr>
             <a:r>
               <a:rPr lang="en-US" dirty="0"/>
               <a:t>Road: 15 in total</a:t>
@@ -29112,6 +29154,15 @@
 </file>
 
 <file path=customXml/item1.xml><?xml version="1.0" encoding="utf-8"?>
+<?mso-contentType ?>
+<FormTemplates xmlns="http://schemas.microsoft.com/sharepoint/v3/contenttype/forms">
+  <Display>DocumentLibraryForm</Display>
+  <Edit>DocumentLibraryForm</Edit>
+  <New>DocumentLibraryForm</New>
+</FormTemplates>
+</file>
+
+<file path=customXml/item2.xml><?xml version="1.0" encoding="utf-8"?>
 <ct:contentTypeSchema xmlns:ct="http://schemas.microsoft.com/office/2006/metadata/contentType" xmlns:ma="http://schemas.microsoft.com/office/2006/metadata/properties/metaAttributes" ct:_="" ma:_="" ma:contentTypeName="Document" ma:contentTypeID="0x01010079F111ED35F8CC479449609E8A0923A6" ma:contentTypeVersion="21" ma:contentTypeDescription="Create a new document." ma:contentTypeScope="" ma:versionID="64dfb1555687e0874b4304b796b5b0c7">
   <xsd:schema xmlns:xsd="http://www.w3.org/2001/XMLSchema" xmlns:xs="http://www.w3.org/2001/XMLSchema" xmlns:p="http://schemas.microsoft.com/office/2006/metadata/properties" xmlns:ns1="http://schemas.microsoft.com/sharepoint/v3" xmlns:ns2="71af3243-3dd4-4a8d-8c0d-dd76da1f02a5" xmlns:ns3="16c05727-aa75-4e4a-9b5f-8a80a1165891" xmlns:ns4="230e9df3-be65-4c73-a93b-d1236ebd677e" targetNamespace="http://schemas.microsoft.com/office/2006/metadata/properties" ma:root="true" ma:fieldsID="e6e4c555b5e194d05b7203de9c4567b3" ns1:_="" ns2:_="" ns3:_="" ns4:_="">
     <xsd:import namespace="http://schemas.microsoft.com/sharepoint/v3"/>
@@ -29393,15 +29444,6 @@
 </ct:contentTypeSchema>
 </file>
 
-<file path=customXml/item2.xml><?xml version="1.0" encoding="utf-8"?>
-<?mso-contentType ?>
-<FormTemplates xmlns="http://schemas.microsoft.com/sharepoint/v3/contenttype/forms">
-  <Display>DocumentLibraryForm</Display>
-  <Edit>DocumentLibraryForm</Edit>
-  <New>DocumentLibraryForm</New>
-</FormTemplates>
-</file>
-
 <file path=customXml/item3.xml><?xml version="1.0" encoding="utf-8"?>
 <p:properties xmlns:p="http://schemas.microsoft.com/office/2006/metadata/properties" xmlns:xsi="http://www.w3.org/2001/XMLSchema-instance" xmlns:pc="http://schemas.microsoft.com/office/infopath/2007/PartnerControls">
   <documentManagement>
@@ -29422,6 +29464,14 @@
 </file>
 
 <file path=customXml/itemProps1.xml><?xml version="1.0" encoding="utf-8"?>
+<ds:datastoreItem xmlns:ds="http://schemas.openxmlformats.org/officeDocument/2006/customXml" ds:itemID="{85334180-0405-413B-834A-44FA9E05ADB7}">
+  <ds:schemaRefs>
+    <ds:schemaRef ds:uri="http://schemas.microsoft.com/sharepoint/v3/contenttype/forms"/>
+  </ds:schemaRefs>
+</ds:datastoreItem>
+</file>
+
+<file path=customXml/itemProps2.xml><?xml version="1.0" encoding="utf-8"?>
 <ds:datastoreItem xmlns:ds="http://schemas.openxmlformats.org/officeDocument/2006/customXml" ds:itemID="{4A615295-94F6-4CE2-A1B1-6B7E1DAA5AD6}">
   <ds:schemaRefs>
     <ds:schemaRef ds:uri="http://schemas.microsoft.com/office/2006/metadata/contentType"/>
@@ -29438,14 +29488,6 @@
     <ds:schemaRef ds:uri="http://purl.org/dc/elements/1.1/"/>
     <ds:schemaRef ds:uri="http://purl.org/dc/terms/"/>
     <ds:schemaRef ds:uri="http://schemas.microsoft.com/internal/obd"/>
-  </ds:schemaRefs>
-</ds:datastoreItem>
-</file>
-
-<file path=customXml/itemProps2.xml><?xml version="1.0" encoding="utf-8"?>
-<ds:datastoreItem xmlns:ds="http://schemas.openxmlformats.org/officeDocument/2006/customXml" ds:itemID="{85334180-0405-413B-834A-44FA9E05ADB7}">
-  <ds:schemaRefs>
-    <ds:schemaRef ds:uri="http://schemas.microsoft.com/sharepoint/v3/contenttype/forms"/>
   </ds:schemaRefs>
 </ds:datastoreItem>
 </file>

--- a/Monte_Carlo_Simulation_597.pptx
+++ b/Monte_Carlo_Simulation_597.pptx
@@ -21338,7 +21338,7 @@
         </p:spPr>
         <p:txBody>
           <a:bodyPr vert="horz" lIns="91440" tIns="45720" rIns="91440" bIns="45720" rtlCol="0" anchor="t">
-            <a:normAutofit fontScale="77500" lnSpcReduction="20000"/>
+            <a:normAutofit fontScale="85000" lnSpcReduction="10000"/>
           </a:bodyPr>
           <a:lstStyle/>
           <a:p>
@@ -21481,31 +21481,6 @@
               <a:rPr lang="en-US" sz="2800" dirty="0"/>
               <a:t> == "settlement" else [2, 3]</a:t>
             </a:r>
-          </a:p>
-          <a:p>
-            <a:pPr marL="457200" indent="-457200">
-              <a:buFont typeface="Arial" panose="020B0604020202020204" pitchFamily="34" charset="0"/>
-              <a:buChar char="•"/>
-            </a:pPr>
-            <a:r>
-              <a:rPr lang="en-US" sz="2800" dirty="0" err="1"/>
-              <a:t>RecordList</a:t>
-            </a:r>
-            <a:endParaRPr lang="en-US" sz="2800" dirty="0"/>
-          </a:p>
-          <a:p>
-            <a:pPr marL="457200" indent="-457200">
-              <a:buFont typeface="Arial" panose="020B0604020202020204" pitchFamily="34" charset="0"/>
-              <a:buChar char="•"/>
-            </a:pPr>
-            <a:r>
-              <a:rPr lang="en-US" sz="2800" dirty="0" err="1"/>
-              <a:t>ResRecoder</a:t>
-            </a:r>
-            <a:endParaRPr lang="en-US" sz="2800" dirty="0"/>
-          </a:p>
-          <a:p>
-            <a:endParaRPr lang="en-US" sz="2800" dirty="0"/>
           </a:p>
         </p:txBody>
       </p:sp>
@@ -29154,15 +29129,6 @@
 </file>
 
 <file path=customXml/item1.xml><?xml version="1.0" encoding="utf-8"?>
-<?mso-contentType ?>
-<FormTemplates xmlns="http://schemas.microsoft.com/sharepoint/v3/contenttype/forms">
-  <Display>DocumentLibraryForm</Display>
-  <Edit>DocumentLibraryForm</Edit>
-  <New>DocumentLibraryForm</New>
-</FormTemplates>
-</file>
-
-<file path=customXml/item2.xml><?xml version="1.0" encoding="utf-8"?>
 <ct:contentTypeSchema xmlns:ct="http://schemas.microsoft.com/office/2006/metadata/contentType" xmlns:ma="http://schemas.microsoft.com/office/2006/metadata/properties/metaAttributes" ct:_="" ma:_="" ma:contentTypeName="Document" ma:contentTypeID="0x01010079F111ED35F8CC479449609E8A0923A6" ma:contentTypeVersion="21" ma:contentTypeDescription="Create a new document." ma:contentTypeScope="" ma:versionID="64dfb1555687e0874b4304b796b5b0c7">
   <xsd:schema xmlns:xsd="http://www.w3.org/2001/XMLSchema" xmlns:xs="http://www.w3.org/2001/XMLSchema" xmlns:p="http://schemas.microsoft.com/office/2006/metadata/properties" xmlns:ns1="http://schemas.microsoft.com/sharepoint/v3" xmlns:ns2="71af3243-3dd4-4a8d-8c0d-dd76da1f02a5" xmlns:ns3="16c05727-aa75-4e4a-9b5f-8a80a1165891" xmlns:ns4="230e9df3-be65-4c73-a93b-d1236ebd677e" targetNamespace="http://schemas.microsoft.com/office/2006/metadata/properties" ma:root="true" ma:fieldsID="e6e4c555b5e194d05b7203de9c4567b3" ns1:_="" ns2:_="" ns3:_="" ns4:_="">
     <xsd:import namespace="http://schemas.microsoft.com/sharepoint/v3"/>
@@ -29444,6 +29410,15 @@
 </ct:contentTypeSchema>
 </file>
 
+<file path=customXml/item2.xml><?xml version="1.0" encoding="utf-8"?>
+<?mso-contentType ?>
+<FormTemplates xmlns="http://schemas.microsoft.com/sharepoint/v3/contenttype/forms">
+  <Display>DocumentLibraryForm</Display>
+  <Edit>DocumentLibraryForm</Edit>
+  <New>DocumentLibraryForm</New>
+</FormTemplates>
+</file>
+
 <file path=customXml/item3.xml><?xml version="1.0" encoding="utf-8"?>
 <p:properties xmlns:p="http://schemas.microsoft.com/office/2006/metadata/properties" xmlns:xsi="http://www.w3.org/2001/XMLSchema-instance" xmlns:pc="http://schemas.microsoft.com/office/infopath/2007/PartnerControls">
   <documentManagement>
@@ -29464,14 +29439,6 @@
 </file>
 
 <file path=customXml/itemProps1.xml><?xml version="1.0" encoding="utf-8"?>
-<ds:datastoreItem xmlns:ds="http://schemas.openxmlformats.org/officeDocument/2006/customXml" ds:itemID="{85334180-0405-413B-834A-44FA9E05ADB7}">
-  <ds:schemaRefs>
-    <ds:schemaRef ds:uri="http://schemas.microsoft.com/sharepoint/v3/contenttype/forms"/>
-  </ds:schemaRefs>
-</ds:datastoreItem>
-</file>
-
-<file path=customXml/itemProps2.xml><?xml version="1.0" encoding="utf-8"?>
 <ds:datastoreItem xmlns:ds="http://schemas.openxmlformats.org/officeDocument/2006/customXml" ds:itemID="{4A615295-94F6-4CE2-A1B1-6B7E1DAA5AD6}">
   <ds:schemaRefs>
     <ds:schemaRef ds:uri="http://schemas.microsoft.com/office/2006/metadata/contentType"/>
@@ -29488,6 +29455,14 @@
     <ds:schemaRef ds:uri="http://purl.org/dc/elements/1.1/"/>
     <ds:schemaRef ds:uri="http://purl.org/dc/terms/"/>
     <ds:schemaRef ds:uri="http://schemas.microsoft.com/internal/obd"/>
+  </ds:schemaRefs>
+</ds:datastoreItem>
+</file>
+
+<file path=customXml/itemProps2.xml><?xml version="1.0" encoding="utf-8"?>
+<ds:datastoreItem xmlns:ds="http://schemas.openxmlformats.org/officeDocument/2006/customXml" ds:itemID="{85334180-0405-413B-834A-44FA9E05ADB7}">
+  <ds:schemaRefs>
+    <ds:schemaRef ds:uri="http://schemas.microsoft.com/sharepoint/v3/contenttype/forms"/>
   </ds:schemaRefs>
 </ds:datastoreItem>
 </file>
